--- a/03_continuous_integration/Code_sharing_best_practices_workshop.pptx
+++ b/03_continuous_integration/Code_sharing_best_practices_workshop.pptx
@@ -7989,6 +7989,13 @@
   <p:clrMapOvr>
     <a:masterClrMapping/>
   </p:clrMapOvr>
+  <p:timing>
+    <p:tnLst>
+      <p:par>
+        <p:cTn id="1" dur="indefinite" restart="never" nodeType="tmRoot"/>
+      </p:par>
+    </p:tnLst>
+  </p:timing>
 </p:sld>
 </file>
 
@@ -9790,6 +9797,13 @@
   <p:clrMapOvr>
     <a:masterClrMapping/>
   </p:clrMapOvr>
+  <p:timing>
+    <p:tnLst>
+      <p:par>
+        <p:cTn id="1" dur="indefinite" restart="never" nodeType="tmRoot"/>
+      </p:par>
+    </p:tnLst>
+  </p:timing>
 </p:sld>
 </file>
 
@@ -10248,6 +10262,13 @@
   <p:clrMapOvr>
     <a:masterClrMapping/>
   </p:clrMapOvr>
+  <p:timing>
+    <p:tnLst>
+      <p:par>
+        <p:cTn id="1" dur="indefinite" restart="never" nodeType="tmRoot"/>
+      </p:par>
+    </p:tnLst>
+  </p:timing>
 </p:sld>
 </file>
 
@@ -10315,6 +10336,13 @@
   <p:clrMapOvr>
     <a:masterClrMapping/>
   </p:clrMapOvr>
+  <p:timing>
+    <p:tnLst>
+      <p:par>
+        <p:cTn id="1" dur="indefinite" restart="never" nodeType="tmRoot"/>
+      </p:par>
+    </p:tnLst>
+  </p:timing>
 </p:sld>
 </file>
 
@@ -11743,6 +11771,13 @@
   <p:clrMapOvr>
     <a:masterClrMapping/>
   </p:clrMapOvr>
+  <p:timing>
+    <p:tnLst>
+      <p:par>
+        <p:cTn id="1" dur="indefinite" restart="never" nodeType="tmRoot"/>
+      </p:par>
+    </p:tnLst>
+  </p:timing>
 </p:sld>
 </file>
 
@@ -11810,6 +11845,13 @@
   <p:clrMapOvr>
     <a:masterClrMapping/>
   </p:clrMapOvr>
+  <p:timing>
+    <p:tnLst>
+      <p:par>
+        <p:cTn id="1" dur="indefinite" restart="never" nodeType="tmRoot"/>
+      </p:par>
+    </p:tnLst>
+  </p:timing>
 </p:sld>
 </file>
 
@@ -12084,6 +12126,13 @@
   <p:clrMapOvr>
     <a:masterClrMapping/>
   </p:clrMapOvr>
+  <p:timing>
+    <p:tnLst>
+      <p:par>
+        <p:cTn id="1" dur="indefinite" restart="never" nodeType="tmRoot"/>
+      </p:par>
+    </p:tnLst>
+  </p:timing>
 </p:sld>
 </file>
 
@@ -12428,6 +12477,13 @@
   <p:clrMapOvr>
     <a:masterClrMapping/>
   </p:clrMapOvr>
+  <p:timing>
+    <p:tnLst>
+      <p:par>
+        <p:cTn id="1" dur="indefinite" restart="never" nodeType="tmRoot"/>
+      </p:par>
+    </p:tnLst>
+  </p:timing>
 </p:sld>
 </file>
 
@@ -12495,6 +12551,13 @@
   <p:clrMapOvr>
     <a:masterClrMapping/>
   </p:clrMapOvr>
+  <p:timing>
+    <p:tnLst>
+      <p:par>
+        <p:cTn id="1" dur="indefinite" restart="never" nodeType="tmRoot"/>
+      </p:par>
+    </p:tnLst>
+  </p:timing>
 </p:sld>
 </file>
 
@@ -12903,6 +12966,13 @@
   <p:clrMapOvr>
     <a:masterClrMapping/>
   </p:clrMapOvr>
+  <p:timing>
+    <p:tnLst>
+      <p:par>
+        <p:cTn id="1" dur="indefinite" restart="never" nodeType="tmRoot"/>
+      </p:par>
+    </p:tnLst>
+  </p:timing>
 </p:sld>
 </file>
 
@@ -14819,6 +14889,13 @@
   <p:clrMapOvr>
     <a:masterClrMapping/>
   </p:clrMapOvr>
+  <p:timing>
+    <p:tnLst>
+      <p:par>
+        <p:cTn id="1" dur="indefinite" restart="never" nodeType="tmRoot"/>
+      </p:par>
+    </p:tnLst>
+  </p:timing>
 </p:sld>
 </file>
 
@@ -14942,6 +15019,13 @@
   <p:clrMapOvr>
     <a:masterClrMapping/>
   </p:clrMapOvr>
+  <p:timing>
+    <p:tnLst>
+      <p:par>
+        <p:cTn id="1" dur="indefinite" restart="never" nodeType="tmRoot"/>
+      </p:par>
+    </p:tnLst>
+  </p:timing>
 </p:sld>
 </file>
 
@@ -15412,67 +15496,18 @@
           </a:p>
         </p:txBody>
       </p:sp>
-      <p:sp>
-        <p:nvSpPr>
-          <p:cNvPr id="72" name="Google Shape;72;p15"/>
-          <p:cNvSpPr txBox="1"/>
-          <p:nvPr/>
-        </p:nvSpPr>
-        <p:spPr>
-          <a:xfrm rot="3044">
-            <a:off x="76200" y="3329325"/>
-            <a:ext cx="1016400" cy="231900"/>
-          </a:xfrm>
-          <a:prstGeom prst="rect">
-            <a:avLst/>
-          </a:prstGeom>
-          <a:noFill/>
-          <a:ln w="9525" cap="flat" cmpd="sng">
-            <a:solidFill>
-              <a:srgbClr val="FF0000"/>
-            </a:solidFill>
-            <a:prstDash val="solid"/>
-            <a:round/>
-            <a:headEnd type="none" w="sm" len="sm"/>
-            <a:tailEnd type="none" w="sm" len="sm"/>
-          </a:ln>
-        </p:spPr>
-        <p:txBody>
-          <a:bodyPr spcFirstLastPara="1" wrap="square" lIns="91425" tIns="91425" rIns="91425" bIns="91425" anchor="ctr" anchorCtr="0">
-            <a:noAutofit/>
-          </a:bodyPr>
-          <a:lstStyle/>
-          <a:p>
-            <a:pPr marL="0" lvl="0" indent="0" algn="ctr" rtl="0">
-              <a:spcBef>
-                <a:spcPts val="0"/>
-              </a:spcBef>
-              <a:spcAft>
-                <a:spcPts val="0"/>
-              </a:spcAft>
-              <a:buNone/>
-            </a:pPr>
-            <a:r>
-              <a:rPr lang="en" sz="1200" i="1">
-                <a:solidFill>
-                  <a:srgbClr val="FF0000"/>
-                </a:solidFill>
-              </a:rPr>
-              <a:t>HANDS-ON</a:t>
-            </a:r>
-            <a:endParaRPr sz="1200" i="1">
-              <a:solidFill>
-                <a:srgbClr val="FF0000"/>
-              </a:solidFill>
-            </a:endParaRPr>
-          </a:p>
-        </p:txBody>
-      </p:sp>
     </p:spTree>
   </p:cSld>
   <p:clrMapOvr>
     <a:masterClrMapping/>
   </p:clrMapOvr>
+  <p:timing>
+    <p:tnLst>
+      <p:par>
+        <p:cTn id="1" dur="indefinite" restart="never" nodeType="tmRoot"/>
+      </p:par>
+    </p:tnLst>
+  </p:timing>
 </p:sld>
 </file>
 
@@ -15540,6 +15575,13 @@
   <p:clrMapOvr>
     <a:masterClrMapping/>
   </p:clrMapOvr>
+  <p:timing>
+    <p:tnLst>
+      <p:par>
+        <p:cTn id="1" dur="indefinite" restart="never" nodeType="tmRoot"/>
+      </p:par>
+    </p:tnLst>
+  </p:timing>
 </p:sld>
 </file>
 
@@ -15956,6 +15998,13 @@
   <p:clrMapOvr>
     <a:masterClrMapping/>
   </p:clrMapOvr>
+  <p:timing>
+    <p:tnLst>
+      <p:par>
+        <p:cTn id="1" dur="indefinite" restart="never" nodeType="tmRoot"/>
+      </p:par>
+    </p:tnLst>
+  </p:timing>
 </p:sld>
 </file>
 
@@ -17161,6 +17210,13 @@
   <p:clrMapOvr>
     <a:masterClrMapping/>
   </p:clrMapOvr>
+  <p:timing>
+    <p:tnLst>
+      <p:par>
+        <p:cTn id="1" dur="indefinite" restart="never" nodeType="tmRoot"/>
+      </p:par>
+    </p:tnLst>
+  </p:timing>
 </p:sld>
 </file>
 
@@ -17486,6 +17542,13 @@
   <p:clrMapOvr>
     <a:masterClrMapping/>
   </p:clrMapOvr>
+  <p:timing>
+    <p:tnLst>
+      <p:par>
+        <p:cTn id="1" dur="indefinite" restart="never" nodeType="tmRoot"/>
+      </p:par>
+    </p:tnLst>
+  </p:timing>
 </p:sld>
 </file>
 
@@ -17811,6 +17874,13 @@
   <p:clrMapOvr>
     <a:masterClrMapping/>
   </p:clrMapOvr>
+  <p:timing>
+    <p:tnLst>
+      <p:par>
+        <p:cTn id="1" dur="indefinite" restart="never" nodeType="tmRoot"/>
+      </p:par>
+    </p:tnLst>
+  </p:timing>
 </p:sld>
 </file>
 
